--- a/for_students/DAY-1/dev1_00.pptx
+++ b/for_students/DAY-1/dev1_00.pptx
@@ -5,32 +5,33 @@
     <p:sldMasterId id="2147483648" r:id="rId1"/>
   </p:sldMasterIdLst>
   <p:notesMasterIdLst>
-    <p:notesMasterId r:id="rId25"/>
+    <p:notesMasterId r:id="rId26"/>
   </p:notesMasterIdLst>
   <p:sldIdLst>
     <p:sldId id="263" r:id="rId2"/>
     <p:sldId id="502" r:id="rId3"/>
     <p:sldId id="501" r:id="rId4"/>
     <p:sldId id="507" r:id="rId5"/>
-    <p:sldId id="506" r:id="rId6"/>
-    <p:sldId id="257" r:id="rId7"/>
-    <p:sldId id="508" r:id="rId8"/>
-    <p:sldId id="509" r:id="rId9"/>
-    <p:sldId id="510" r:id="rId10"/>
-    <p:sldId id="511" r:id="rId11"/>
-    <p:sldId id="512" r:id="rId12"/>
-    <p:sldId id="513" r:id="rId13"/>
-    <p:sldId id="256" r:id="rId14"/>
-    <p:sldId id="504" r:id="rId15"/>
-    <p:sldId id="258" r:id="rId16"/>
-    <p:sldId id="259" r:id="rId17"/>
-    <p:sldId id="260" r:id="rId18"/>
-    <p:sldId id="261" r:id="rId19"/>
-    <p:sldId id="262" r:id="rId20"/>
-    <p:sldId id="505" r:id="rId21"/>
-    <p:sldId id="264" r:id="rId22"/>
-    <p:sldId id="265" r:id="rId23"/>
-    <p:sldId id="266" r:id="rId24"/>
+    <p:sldId id="514" r:id="rId6"/>
+    <p:sldId id="506" r:id="rId7"/>
+    <p:sldId id="257" r:id="rId8"/>
+    <p:sldId id="508" r:id="rId9"/>
+    <p:sldId id="509" r:id="rId10"/>
+    <p:sldId id="510" r:id="rId11"/>
+    <p:sldId id="511" r:id="rId12"/>
+    <p:sldId id="512" r:id="rId13"/>
+    <p:sldId id="513" r:id="rId14"/>
+    <p:sldId id="256" r:id="rId15"/>
+    <p:sldId id="504" r:id="rId16"/>
+    <p:sldId id="258" r:id="rId17"/>
+    <p:sldId id="259" r:id="rId18"/>
+    <p:sldId id="260" r:id="rId19"/>
+    <p:sldId id="261" r:id="rId20"/>
+    <p:sldId id="262" r:id="rId21"/>
+    <p:sldId id="505" r:id="rId22"/>
+    <p:sldId id="264" r:id="rId23"/>
+    <p:sldId id="265" r:id="rId24"/>
+    <p:sldId id="266" r:id="rId25"/>
   </p:sldIdLst>
   <p:sldSz cx="9144000" cy="5143500" type="screen16x9"/>
   <p:notesSz cx="7559675" cy="10691813"/>
@@ -3279,6 +3280,66 @@
           <p:cNvPr id="2" name="Рисунок 1">
             <a:extLst>
               <a:ext uri="{FF2B5EF4-FFF2-40B4-BE49-F238E27FC236}">
+                <a16:creationId xmlns:a16="http://schemas.microsoft.com/office/drawing/2014/main" id="{9D28EC85-4C0C-4A43-A804-D9FF6CB13337}"/>
+              </a:ext>
+            </a:extLst>
+          </p:cNvPr>
+          <p:cNvPicPr>
+            <a:picLocks noChangeAspect="1"/>
+          </p:cNvPicPr>
+          <p:nvPr/>
+        </p:nvPicPr>
+        <p:blipFill>
+          <a:blip r:embed="rId2"/>
+          <a:stretch>
+            <a:fillRect/>
+          </a:stretch>
+        </p:blipFill>
+        <p:spPr>
+          <a:xfrm>
+            <a:off x="1154043" y="0"/>
+            <a:ext cx="6835916" cy="5143500"/>
+          </a:xfrm>
+          <a:prstGeom prst="rect">
+            <a:avLst/>
+          </a:prstGeom>
+        </p:spPr>
+      </p:pic>
+    </p:spTree>
+    <p:extLst>
+      <p:ext uri="{BB962C8B-B14F-4D97-AF65-F5344CB8AC3E}">
+        <p14:creationId xmlns:p14="http://schemas.microsoft.com/office/powerpoint/2010/main" val="2334871199"/>
+      </p:ext>
+    </p:extLst>
+  </p:cSld>
+  <p:clrMapOvr>
+    <a:masterClrMapping/>
+  </p:clrMapOvr>
+</p:sld>
+</file>
+
+<file path=ppt/slides/slide11.xml><?xml version="1.0" encoding="utf-8"?>
+<p:sld xmlns:a="http://schemas.openxmlformats.org/drawingml/2006/main" xmlns:r="http://schemas.openxmlformats.org/officeDocument/2006/relationships" xmlns:p="http://schemas.openxmlformats.org/presentationml/2006/main">
+  <p:cSld>
+    <p:spTree>
+      <p:nvGrpSpPr>
+        <p:cNvPr id="1" name=""/>
+        <p:cNvGrpSpPr/>
+        <p:nvPr/>
+      </p:nvGrpSpPr>
+      <p:grpSpPr>
+        <a:xfrm>
+          <a:off x="0" y="0"/>
+          <a:ext cx="0" cy="0"/>
+          <a:chOff x="0" y="0"/>
+          <a:chExt cx="0" cy="0"/>
+        </a:xfrm>
+      </p:grpSpPr>
+      <p:pic>
+        <p:nvPicPr>
+          <p:cNvPr id="2" name="Рисунок 1">
+            <a:extLst>
+              <a:ext uri="{FF2B5EF4-FFF2-40B4-BE49-F238E27FC236}">
                 <a16:creationId xmlns:a16="http://schemas.microsoft.com/office/drawing/2014/main" id="{E2649E39-CD40-409B-9500-7EFDD1A1939D}"/>
               </a:ext>
             </a:extLst>
@@ -3317,7 +3378,7 @@
 </p:sld>
 </file>
 
-<file path=ppt/slides/slide11.xml><?xml version="1.0" encoding="utf-8"?>
+<file path=ppt/slides/slide12.xml><?xml version="1.0" encoding="utf-8"?>
 <p:sld xmlns:a="http://schemas.openxmlformats.org/drawingml/2006/main" xmlns:r="http://schemas.openxmlformats.org/officeDocument/2006/relationships" xmlns:p="http://schemas.openxmlformats.org/presentationml/2006/main">
   <p:cSld>
     <p:spTree>
@@ -3377,7 +3438,7 @@
 </p:sld>
 </file>
 
-<file path=ppt/slides/slide12.xml><?xml version="1.0" encoding="utf-8"?>
+<file path=ppt/slides/slide13.xml><?xml version="1.0" encoding="utf-8"?>
 <p:sld xmlns:a="http://schemas.openxmlformats.org/drawingml/2006/main" xmlns:r="http://schemas.openxmlformats.org/officeDocument/2006/relationships" xmlns:p="http://schemas.openxmlformats.org/presentationml/2006/main">
   <p:cSld>
     <p:spTree>
@@ -3437,7 +3498,7 @@
 </p:sld>
 </file>
 
-<file path=ppt/slides/slide13.xml><?xml version="1.0" encoding="utf-8"?>
+<file path=ppt/slides/slide14.xml><?xml version="1.0" encoding="utf-8"?>
 <p:sld xmlns:a="http://schemas.openxmlformats.org/drawingml/2006/main" xmlns:r="http://schemas.openxmlformats.org/officeDocument/2006/relationships" xmlns:p="http://schemas.openxmlformats.org/presentationml/2006/main">
   <p:cSld>
     <p:spTree>
@@ -3541,7 +3602,7 @@
 </p:sld>
 </file>
 
-<file path=ppt/slides/slide14.xml><?xml version="1.0" encoding="utf-8"?>
+<file path=ppt/slides/slide15.xml><?xml version="1.0" encoding="utf-8"?>
 <p:sld xmlns:a="http://schemas.openxmlformats.org/drawingml/2006/main" xmlns:r="http://schemas.openxmlformats.org/officeDocument/2006/relationships" xmlns:p="http://schemas.openxmlformats.org/presentationml/2006/main">
   <p:cSld>
     <p:spTree>
@@ -3601,7 +3662,7 @@
 </p:sld>
 </file>
 
-<file path=ppt/slides/slide15.xml><?xml version="1.0" encoding="utf-8"?>
+<file path=ppt/slides/slide16.xml><?xml version="1.0" encoding="utf-8"?>
 <p:sld xmlns:a="http://schemas.openxmlformats.org/drawingml/2006/main" xmlns:r="http://schemas.openxmlformats.org/officeDocument/2006/relationships" xmlns:p="http://schemas.openxmlformats.org/presentationml/2006/main" showMasterSp="0">
   <p:cSld>
     <p:spTree>
@@ -3661,7 +3722,7 @@
 </p:sld>
 </file>
 
-<file path=ppt/slides/slide16.xml><?xml version="1.0" encoding="utf-8"?>
+<file path=ppt/slides/slide17.xml><?xml version="1.0" encoding="utf-8"?>
 <p:sld xmlns:a="http://schemas.openxmlformats.org/drawingml/2006/main" xmlns:r="http://schemas.openxmlformats.org/officeDocument/2006/relationships" xmlns:p="http://schemas.openxmlformats.org/presentationml/2006/main" showMasterSp="0">
   <p:cSld>
     <p:spTree>
@@ -3721,7 +3782,7 @@
 </p:sld>
 </file>
 
-<file path=ppt/slides/slide17.xml><?xml version="1.0" encoding="utf-8"?>
+<file path=ppt/slides/slide18.xml><?xml version="1.0" encoding="utf-8"?>
 <p:sld xmlns:a="http://schemas.openxmlformats.org/drawingml/2006/main" xmlns:r="http://schemas.openxmlformats.org/officeDocument/2006/relationships" xmlns:p="http://schemas.openxmlformats.org/presentationml/2006/main" showMasterSp="0">
   <p:cSld>
     <p:spTree>
@@ -3781,7 +3842,7 @@
 </p:sld>
 </file>
 
-<file path=ppt/slides/slide18.xml><?xml version="1.0" encoding="utf-8"?>
+<file path=ppt/slides/slide19.xml><?xml version="1.0" encoding="utf-8"?>
 <p:sld xmlns:a="http://schemas.openxmlformats.org/drawingml/2006/main" xmlns:r="http://schemas.openxmlformats.org/officeDocument/2006/relationships" xmlns:p="http://schemas.openxmlformats.org/presentationml/2006/main" showMasterSp="0">
   <p:cSld>
     <p:spTree>
@@ -3832,66 +3893,6 @@
     <p:extLst>
       <p:ext uri="{BB962C8B-B14F-4D97-AF65-F5344CB8AC3E}">
         <p14:creationId xmlns:p14="http://schemas.microsoft.com/office/powerpoint/2010/main" val="1101945448"/>
-      </p:ext>
-    </p:extLst>
-  </p:cSld>
-  <p:clrMapOvr>
-    <a:masterClrMapping/>
-  </p:clrMapOvr>
-</p:sld>
-</file>
-
-<file path=ppt/slides/slide19.xml><?xml version="1.0" encoding="utf-8"?>
-<p:sld xmlns:a="http://schemas.openxmlformats.org/drawingml/2006/main" xmlns:r="http://schemas.openxmlformats.org/officeDocument/2006/relationships" xmlns:p="http://schemas.openxmlformats.org/presentationml/2006/main" showMasterSp="0">
-  <p:cSld>
-    <p:spTree>
-      <p:nvGrpSpPr>
-        <p:cNvPr id="1" name=""/>
-        <p:cNvGrpSpPr/>
-        <p:nvPr/>
-      </p:nvGrpSpPr>
-      <p:grpSpPr>
-        <a:xfrm>
-          <a:off x="0" y="0"/>
-          <a:ext cx="0" cy="0"/>
-          <a:chOff x="0" y="0"/>
-          <a:chExt cx="0" cy="0"/>
-        </a:xfrm>
-      </p:grpSpPr>
-      <p:pic>
-        <p:nvPicPr>
-          <p:cNvPr id="2" name="Рисунок 1">
-            <a:extLst>
-              <a:ext uri="{FF2B5EF4-FFF2-40B4-BE49-F238E27FC236}">
-                <a16:creationId xmlns:a16="http://schemas.microsoft.com/office/drawing/2014/main" id="{4FDFB331-622D-4CE7-A83E-F6AB907E5CA7}"/>
-              </a:ext>
-            </a:extLst>
-          </p:cNvPr>
-          <p:cNvPicPr>
-            <a:picLocks noChangeAspect="1"/>
-          </p:cNvPicPr>
-          <p:nvPr/>
-        </p:nvPicPr>
-        <p:blipFill>
-          <a:blip r:embed="rId2"/>
-          <a:stretch>
-            <a:fillRect/>
-          </a:stretch>
-        </p:blipFill>
-        <p:spPr>
-          <a:xfrm>
-            <a:off x="1159743" y="0"/>
-            <a:ext cx="6824514" cy="5143500"/>
-          </a:xfrm>
-          <a:prstGeom prst="rect">
-            <a:avLst/>
-          </a:prstGeom>
-        </p:spPr>
-      </p:pic>
-    </p:spTree>
-    <p:extLst>
-      <p:ext uri="{BB962C8B-B14F-4D97-AF65-F5344CB8AC3E}">
-        <p14:creationId xmlns:p14="http://schemas.microsoft.com/office/powerpoint/2010/main" val="3475323775"/>
       </p:ext>
     </p:extLst>
   </p:cSld>
@@ -5273,6 +5274,66 @@
       </p:grpSpPr>
       <p:pic>
         <p:nvPicPr>
+          <p:cNvPr id="2" name="Рисунок 1">
+            <a:extLst>
+              <a:ext uri="{FF2B5EF4-FFF2-40B4-BE49-F238E27FC236}">
+                <a16:creationId xmlns:a16="http://schemas.microsoft.com/office/drawing/2014/main" id="{4FDFB331-622D-4CE7-A83E-F6AB907E5CA7}"/>
+              </a:ext>
+            </a:extLst>
+          </p:cNvPr>
+          <p:cNvPicPr>
+            <a:picLocks noChangeAspect="1"/>
+          </p:cNvPicPr>
+          <p:nvPr/>
+        </p:nvPicPr>
+        <p:blipFill>
+          <a:blip r:embed="rId2"/>
+          <a:stretch>
+            <a:fillRect/>
+          </a:stretch>
+        </p:blipFill>
+        <p:spPr>
+          <a:xfrm>
+            <a:off x="1159743" y="0"/>
+            <a:ext cx="6824514" cy="5143500"/>
+          </a:xfrm>
+          <a:prstGeom prst="rect">
+            <a:avLst/>
+          </a:prstGeom>
+        </p:spPr>
+      </p:pic>
+    </p:spTree>
+    <p:extLst>
+      <p:ext uri="{BB962C8B-B14F-4D97-AF65-F5344CB8AC3E}">
+        <p14:creationId xmlns:p14="http://schemas.microsoft.com/office/powerpoint/2010/main" val="3475323775"/>
+      </p:ext>
+    </p:extLst>
+  </p:cSld>
+  <p:clrMapOvr>
+    <a:masterClrMapping/>
+  </p:clrMapOvr>
+</p:sld>
+</file>
+
+<file path=ppt/slides/slide21.xml><?xml version="1.0" encoding="utf-8"?>
+<p:sld xmlns:a="http://schemas.openxmlformats.org/drawingml/2006/main" xmlns:r="http://schemas.openxmlformats.org/officeDocument/2006/relationships" xmlns:p="http://schemas.openxmlformats.org/presentationml/2006/main" showMasterSp="0">
+  <p:cSld>
+    <p:spTree>
+      <p:nvGrpSpPr>
+        <p:cNvPr id="1" name=""/>
+        <p:cNvGrpSpPr/>
+        <p:nvPr/>
+      </p:nvGrpSpPr>
+      <p:grpSpPr>
+        <a:xfrm>
+          <a:off x="0" y="0"/>
+          <a:ext cx="0" cy="0"/>
+          <a:chOff x="0" y="0"/>
+          <a:chExt cx="0" cy="0"/>
+        </a:xfrm>
+      </p:grpSpPr>
+      <p:pic>
+        <p:nvPicPr>
           <p:cNvPr id="3" name="Рисунок 2">
             <a:extLst>
               <a:ext uri="{FF2B5EF4-FFF2-40B4-BE49-F238E27FC236}">
@@ -5314,7 +5375,7 @@
 </p:sld>
 </file>
 
-<file path=ppt/slides/slide21.xml><?xml version="1.0" encoding="utf-8"?>
+<file path=ppt/slides/slide22.xml><?xml version="1.0" encoding="utf-8"?>
 <p:sld xmlns:a="http://schemas.openxmlformats.org/drawingml/2006/main" xmlns:r="http://schemas.openxmlformats.org/officeDocument/2006/relationships" xmlns:p="http://schemas.openxmlformats.org/presentationml/2006/main" showMasterSp="0">
   <p:cSld>
     <p:spTree>
@@ -5374,7 +5435,7 @@
 </p:sld>
 </file>
 
-<file path=ppt/slides/slide22.xml><?xml version="1.0" encoding="utf-8"?>
+<file path=ppt/slides/slide23.xml><?xml version="1.0" encoding="utf-8"?>
 <p:sld xmlns:a="http://schemas.openxmlformats.org/drawingml/2006/main" xmlns:r="http://schemas.openxmlformats.org/officeDocument/2006/relationships" xmlns:p="http://schemas.openxmlformats.org/presentationml/2006/main" showMasterSp="0">
   <p:cSld>
     <p:spTree>
@@ -5434,7 +5495,7 @@
 </p:sld>
 </file>
 
-<file path=ppt/slides/slide23.xml><?xml version="1.0" encoding="utf-8"?>
+<file path=ppt/slides/slide24.xml><?xml version="1.0" encoding="utf-8"?>
 <p:sld xmlns:a="http://schemas.openxmlformats.org/drawingml/2006/main" xmlns:r="http://schemas.openxmlformats.org/officeDocument/2006/relationships" xmlns:p="http://schemas.openxmlformats.org/presentationml/2006/main" showMasterSp="0">
   <p:cSld>
     <p:spTree>
@@ -5985,7 +6046,7 @@
         </p:blipFill>
         <p:spPr>
           <a:xfrm>
-            <a:off x="1160066" y="0"/>
+            <a:off x="52483" y="0"/>
             <a:ext cx="6823871" cy="5143500"/>
           </a:xfrm>
           <a:prstGeom prst="rect">
@@ -6007,6 +6068,219 @@
 </file>
 
 <file path=ppt/slides/slide5.xml><?xml version="1.0" encoding="utf-8"?>
+<p:sld xmlns:a="http://schemas.openxmlformats.org/drawingml/2006/main" xmlns:r="http://schemas.openxmlformats.org/officeDocument/2006/relationships" xmlns:p="http://schemas.openxmlformats.org/presentationml/2006/main">
+  <p:cSld>
+    <p:spTree>
+      <p:nvGrpSpPr>
+        <p:cNvPr id="1" name=""/>
+        <p:cNvGrpSpPr/>
+        <p:nvPr/>
+      </p:nvGrpSpPr>
+      <p:grpSpPr>
+        <a:xfrm>
+          <a:off x="0" y="0"/>
+          <a:ext cx="0" cy="0"/>
+          <a:chOff x="0" y="0"/>
+          <a:chExt cx="0" cy="0"/>
+        </a:xfrm>
+      </p:grpSpPr>
+      <p:sp>
+        <p:nvSpPr>
+          <p:cNvPr id="2" name="Прямоугольник 1">
+            <a:extLst>
+              <a:ext uri="{FF2B5EF4-FFF2-40B4-BE49-F238E27FC236}">
+                <a16:creationId xmlns:a16="http://schemas.microsoft.com/office/drawing/2014/main" id="{5B1600FE-E6DC-40B5-A080-104FB6A5165D}"/>
+              </a:ext>
+            </a:extLst>
+          </p:cNvPr>
+          <p:cNvSpPr/>
+          <p:nvPr/>
+        </p:nvSpPr>
+        <p:spPr>
+          <a:xfrm>
+            <a:off x="238260" y="725298"/>
+            <a:ext cx="6787166" cy="3416320"/>
+          </a:xfrm>
+          <a:prstGeom prst="rect">
+            <a:avLst/>
+          </a:prstGeom>
+        </p:spPr>
+        <p:txBody>
+          <a:bodyPr wrap="square">
+            <a:spAutoFit/>
+          </a:bodyPr>
+          <a:lstStyle/>
+          <a:p>
+            <a:r>
+              <a:rPr lang="ru-RU" sz="2400" b="1" dirty="0">
+                <a:solidFill>
+                  <a:srgbClr val="000000"/>
+                </a:solidFill>
+                <a:latin typeface="Montserrat"/>
+              </a:rPr>
+              <a:t>Курс будет полезен:</a:t>
+            </a:r>
+          </a:p>
+          <a:p>
+            <a:endParaRPr lang="ru-RU" sz="2400" dirty="0">
+              <a:solidFill>
+                <a:srgbClr val="000000"/>
+              </a:solidFill>
+              <a:latin typeface="Montserrat"/>
+            </a:endParaRPr>
+          </a:p>
+          <a:p>
+            <a:pPr marL="342900" indent="-342900">
+              <a:buFont typeface="+mj-lt"/>
+              <a:buAutoNum type="arabicPeriod"/>
+            </a:pPr>
+            <a:r>
+              <a:rPr lang="ru-RU" sz="2400" dirty="0">
+                <a:solidFill>
+                  <a:srgbClr val="000000"/>
+                </a:solidFill>
+                <a:latin typeface="inherit"/>
+              </a:rPr>
+              <a:t>Разработчикам СУБД </a:t>
+            </a:r>
+            <a:r>
+              <a:rPr lang="ru-RU" sz="2400" dirty="0" err="1">
+                <a:solidFill>
+                  <a:srgbClr val="000000"/>
+                </a:solidFill>
+                <a:latin typeface="inherit"/>
+              </a:rPr>
+              <a:t>PostgreSQL</a:t>
+            </a:r>
+            <a:r>
+              <a:rPr lang="ru-RU" sz="2400" dirty="0">
+                <a:solidFill>
+                  <a:srgbClr val="000000"/>
+                </a:solidFill>
+                <a:latin typeface="inherit"/>
+              </a:rPr>
+              <a:t>;</a:t>
+            </a:r>
+          </a:p>
+          <a:p>
+            <a:pPr marL="342900" indent="-342900">
+              <a:buFont typeface="+mj-lt"/>
+              <a:buAutoNum type="arabicPeriod"/>
+            </a:pPr>
+            <a:r>
+              <a:rPr lang="ru-RU" sz="2400" dirty="0">
+                <a:solidFill>
+                  <a:srgbClr val="000000"/>
+                </a:solidFill>
+                <a:latin typeface="inherit"/>
+              </a:rPr>
+              <a:t>Разработчикам серверной части приложений СУБД </a:t>
+            </a:r>
+            <a:r>
+              <a:rPr lang="ru-RU" sz="2400" dirty="0" err="1">
+                <a:solidFill>
+                  <a:srgbClr val="000000"/>
+                </a:solidFill>
+                <a:latin typeface="inherit"/>
+              </a:rPr>
+              <a:t>PostgreSQL</a:t>
+            </a:r>
+            <a:r>
+              <a:rPr lang="ru-RU" sz="2400" dirty="0">
+                <a:solidFill>
+                  <a:srgbClr val="000000"/>
+                </a:solidFill>
+                <a:latin typeface="inherit"/>
+              </a:rPr>
+              <a:t>;</a:t>
+            </a:r>
+          </a:p>
+          <a:p>
+            <a:pPr marL="342900" indent="-342900">
+              <a:buFont typeface="+mj-lt"/>
+              <a:buAutoNum type="arabicPeriod"/>
+            </a:pPr>
+            <a:r>
+              <a:rPr lang="ru-RU" sz="2400" dirty="0">
+                <a:solidFill>
+                  <a:srgbClr val="000000"/>
+                </a:solidFill>
+                <a:latin typeface="inherit"/>
+              </a:rPr>
+              <a:t>Администраторам СУБД </a:t>
+            </a:r>
+            <a:r>
+              <a:rPr lang="ru-RU" sz="2400" dirty="0" err="1">
+                <a:solidFill>
+                  <a:srgbClr val="000000"/>
+                </a:solidFill>
+                <a:latin typeface="inherit"/>
+              </a:rPr>
+              <a:t>PostgreSQL</a:t>
+            </a:r>
+            <a:r>
+              <a:rPr lang="ru-RU" sz="2400" dirty="0">
+                <a:solidFill>
+                  <a:srgbClr val="000000"/>
+                </a:solidFill>
+                <a:latin typeface="inherit"/>
+              </a:rPr>
+              <a:t>;</a:t>
+            </a:r>
+          </a:p>
+          <a:p>
+            <a:pPr marL="342900" indent="-342900">
+              <a:buFont typeface="+mj-lt"/>
+              <a:buAutoNum type="arabicPeriod"/>
+            </a:pPr>
+            <a:r>
+              <a:rPr lang="ru-RU" sz="2400" dirty="0">
+                <a:solidFill>
+                  <a:srgbClr val="000000"/>
+                </a:solidFill>
+                <a:latin typeface="inherit"/>
+              </a:rPr>
+              <a:t>Разработчикам приложений;</a:t>
+            </a:r>
+          </a:p>
+          <a:p>
+            <a:pPr marL="342900" indent="-342900">
+              <a:buFont typeface="+mj-lt"/>
+              <a:buAutoNum type="arabicPeriod"/>
+            </a:pPr>
+            <a:r>
+              <a:rPr lang="ru-RU" sz="2400" dirty="0">
+                <a:solidFill>
+                  <a:srgbClr val="000000"/>
+                </a:solidFill>
+                <a:latin typeface="inherit"/>
+              </a:rPr>
+              <a:t>Слушателям, обучающимся по направлению «Системы управления базами данных».</a:t>
+            </a:r>
+            <a:endParaRPr lang="ru-RU" sz="2400" b="0" i="0" dirty="0">
+              <a:solidFill>
+                <a:srgbClr val="000000"/>
+              </a:solidFill>
+              <a:effectLst/>
+              <a:latin typeface="inherit"/>
+            </a:endParaRPr>
+          </a:p>
+        </p:txBody>
+      </p:sp>
+    </p:spTree>
+    <p:extLst>
+      <p:ext uri="{BB962C8B-B14F-4D97-AF65-F5344CB8AC3E}">
+        <p14:creationId xmlns:p14="http://schemas.microsoft.com/office/powerpoint/2010/main" val="223945844"/>
+      </p:ext>
+    </p:extLst>
+  </p:cSld>
+  <p:clrMapOvr>
+    <a:masterClrMapping/>
+  </p:clrMapOvr>
+</p:sld>
+</file>
+
+<file path=ppt/slides/slide6.xml><?xml version="1.0" encoding="utf-8"?>
 <p:sld xmlns:a="http://schemas.openxmlformats.org/drawingml/2006/main" xmlns:r="http://schemas.openxmlformats.org/officeDocument/2006/relationships" xmlns:p="http://schemas.openxmlformats.org/presentationml/2006/main">
   <p:cSld>
     <p:spTree>
@@ -6066,7 +6340,7 @@
 </p:sld>
 </file>
 
-<file path=ppt/slides/slide6.xml><?xml version="1.0" encoding="utf-8"?>
+<file path=ppt/slides/slide7.xml><?xml version="1.0" encoding="utf-8"?>
 <p:sld xmlns:a="http://schemas.openxmlformats.org/drawingml/2006/main" xmlns:r="http://schemas.openxmlformats.org/officeDocument/2006/relationships" xmlns:p="http://schemas.openxmlformats.org/presentationml/2006/main">
   <p:cSld>
     <p:spTree>
@@ -6126,7 +6400,7 @@
 </p:sld>
 </file>
 
-<file path=ppt/slides/slide7.xml><?xml version="1.0" encoding="utf-8"?>
+<file path=ppt/slides/slide8.xml><?xml version="1.0" encoding="utf-8"?>
 <p:sld xmlns:a="http://schemas.openxmlformats.org/drawingml/2006/main" xmlns:r="http://schemas.openxmlformats.org/officeDocument/2006/relationships" xmlns:p="http://schemas.openxmlformats.org/presentationml/2006/main">
   <p:cSld>
     <p:spTree>
@@ -6186,7 +6460,7 @@
 </p:sld>
 </file>
 
-<file path=ppt/slides/slide8.xml><?xml version="1.0" encoding="utf-8"?>
+<file path=ppt/slides/slide9.xml><?xml version="1.0" encoding="utf-8"?>
 <p:sld xmlns:a="http://schemas.openxmlformats.org/drawingml/2006/main" xmlns:r="http://schemas.openxmlformats.org/officeDocument/2006/relationships" xmlns:p="http://schemas.openxmlformats.org/presentationml/2006/main">
   <p:cSld>
     <p:spTree>
@@ -6237,66 +6511,6 @@
     <p:extLst>
       <p:ext uri="{BB962C8B-B14F-4D97-AF65-F5344CB8AC3E}">
         <p14:creationId xmlns:p14="http://schemas.microsoft.com/office/powerpoint/2010/main" val="2592792565"/>
-      </p:ext>
-    </p:extLst>
-  </p:cSld>
-  <p:clrMapOvr>
-    <a:masterClrMapping/>
-  </p:clrMapOvr>
-</p:sld>
-</file>
-
-<file path=ppt/slides/slide9.xml><?xml version="1.0" encoding="utf-8"?>
-<p:sld xmlns:a="http://schemas.openxmlformats.org/drawingml/2006/main" xmlns:r="http://schemas.openxmlformats.org/officeDocument/2006/relationships" xmlns:p="http://schemas.openxmlformats.org/presentationml/2006/main">
-  <p:cSld>
-    <p:spTree>
-      <p:nvGrpSpPr>
-        <p:cNvPr id="1" name=""/>
-        <p:cNvGrpSpPr/>
-        <p:nvPr/>
-      </p:nvGrpSpPr>
-      <p:grpSpPr>
-        <a:xfrm>
-          <a:off x="0" y="0"/>
-          <a:ext cx="0" cy="0"/>
-          <a:chOff x="0" y="0"/>
-          <a:chExt cx="0" cy="0"/>
-        </a:xfrm>
-      </p:grpSpPr>
-      <p:pic>
-        <p:nvPicPr>
-          <p:cNvPr id="2" name="Рисунок 1">
-            <a:extLst>
-              <a:ext uri="{FF2B5EF4-FFF2-40B4-BE49-F238E27FC236}">
-                <a16:creationId xmlns:a16="http://schemas.microsoft.com/office/drawing/2014/main" id="{9D28EC85-4C0C-4A43-A804-D9FF6CB13337}"/>
-              </a:ext>
-            </a:extLst>
-          </p:cNvPr>
-          <p:cNvPicPr>
-            <a:picLocks noChangeAspect="1"/>
-          </p:cNvPicPr>
-          <p:nvPr/>
-        </p:nvPicPr>
-        <p:blipFill>
-          <a:blip r:embed="rId2"/>
-          <a:stretch>
-            <a:fillRect/>
-          </a:stretch>
-        </p:blipFill>
-        <p:spPr>
-          <a:xfrm>
-            <a:off x="1154043" y="0"/>
-            <a:ext cx="6835916" cy="5143500"/>
-          </a:xfrm>
-          <a:prstGeom prst="rect">
-            <a:avLst/>
-          </a:prstGeom>
-        </p:spPr>
-      </p:pic>
-    </p:spTree>
-    <p:extLst>
-      <p:ext uri="{BB962C8B-B14F-4D97-AF65-F5344CB8AC3E}">
-        <p14:creationId xmlns:p14="http://schemas.microsoft.com/office/powerpoint/2010/main" val="2334871199"/>
       </p:ext>
     </p:extLst>
   </p:cSld>
